--- a/Favorite-Git-commands.pptx
+++ b/Favorite-Git-commands.pptx
@@ -7,6 +7,8 @@
   <p:sldIdLst>
     <p:sldId id="256" r:id="rId2"/>
     <p:sldId id="257" r:id="rId3"/>
+    <p:sldId id="258" r:id="rId4"/>
+    <p:sldId id="259" r:id="rId5"/>
   </p:sldIdLst>
   <p:sldSz cx="12192000" cy="6858000"/>
   <p:notesSz cx="6858000" cy="9144000"/>
@@ -105,6 +107,11 @@
       </a:defRPr>
     </a:lvl9pPr>
   </p:defaultTextStyle>
+  <p:extLst>
+    <p:ext uri="{EFAFB233-063F-42B5-8137-9DF3F51BA10A}">
+      <p15:sldGuideLst xmlns:p15="http://schemas.microsoft.com/office/powerpoint/2012/main"/>
+    </p:ext>
+  </p:extLst>
 </p:presentation>
 </file>
 
@@ -3855,6 +3862,1615 @@
 </p:sld>
 </file>
 
+<file path=ppt/slides/slide3.xml><?xml version="1.0" encoding="utf-8"?>
+<p:sld xmlns:a="http://schemas.openxmlformats.org/drawingml/2006/main" xmlns:r="http://schemas.openxmlformats.org/officeDocument/2006/relationships" xmlns:p="http://schemas.openxmlformats.org/presentationml/2006/main">
+  <p:cSld>
+    <p:spTree>
+      <p:nvGrpSpPr>
+        <p:cNvPr id="1" name=""/>
+        <p:cNvGrpSpPr/>
+        <p:nvPr/>
+      </p:nvGrpSpPr>
+      <p:grpSpPr>
+        <a:xfrm>
+          <a:off x="0" y="0"/>
+          <a:ext cx="0" cy="0"/>
+          <a:chOff x="0" y="0"/>
+          <a:chExt cx="0" cy="0"/>
+        </a:xfrm>
+      </p:grpSpPr>
+      <p:grpSp>
+        <p:nvGrpSpPr>
+          <p:cNvPr id="34" name="Group 33">
+            <a:extLst>
+              <a:ext uri="{FF2B5EF4-FFF2-40B4-BE49-F238E27FC236}">
+                <a16:creationId xmlns:a16="http://schemas.microsoft.com/office/drawing/2014/main" id="{DA86961E-E801-44C6-9510-55CB57E45AB1}"/>
+              </a:ext>
+            </a:extLst>
+          </p:cNvPr>
+          <p:cNvGrpSpPr/>
+          <p:nvPr/>
+        </p:nvGrpSpPr>
+        <p:grpSpPr>
+          <a:xfrm>
+            <a:off x="141318" y="1122218"/>
+            <a:ext cx="11593482" cy="5448413"/>
+            <a:chOff x="141318" y="1122218"/>
+            <a:chExt cx="11593482" cy="5448413"/>
+          </a:xfrm>
+        </p:grpSpPr>
+        <p:sp>
+          <p:nvSpPr>
+            <p:cNvPr id="24" name="Cloud 23">
+              <a:extLst>
+                <a:ext uri="{FF2B5EF4-FFF2-40B4-BE49-F238E27FC236}">
+                  <a16:creationId xmlns:a16="http://schemas.microsoft.com/office/drawing/2014/main" id="{D3556953-2913-44C6-B9D5-B064B4C6950C}"/>
+                </a:ext>
+              </a:extLst>
+            </p:cNvPr>
+            <p:cNvSpPr/>
+            <p:nvPr/>
+          </p:nvSpPr>
+          <p:spPr>
+            <a:xfrm>
+              <a:off x="8587047" y="1122218"/>
+              <a:ext cx="3147753" cy="3944973"/>
+            </a:xfrm>
+            <a:prstGeom prst="cloud">
+              <a:avLst/>
+            </a:prstGeom>
+            <a:solidFill>
+              <a:schemeClr val="accent3">
+                <a:lumMod val="20000"/>
+                <a:lumOff val="80000"/>
+              </a:schemeClr>
+            </a:solidFill>
+          </p:spPr>
+          <p:style>
+            <a:lnRef idx="2">
+              <a:schemeClr val="accent1">
+                <a:shade val="50000"/>
+              </a:schemeClr>
+            </a:lnRef>
+            <a:fillRef idx="1">
+              <a:schemeClr val="accent1"/>
+            </a:fillRef>
+            <a:effectRef idx="0">
+              <a:schemeClr val="accent1"/>
+            </a:effectRef>
+            <a:fontRef idx="minor">
+              <a:schemeClr val="lt1"/>
+            </a:fontRef>
+          </p:style>
+          <p:txBody>
+            <a:bodyPr rtlCol="0" anchor="ctr"/>
+            <a:lstStyle/>
+            <a:p>
+              <a:pPr algn="ctr"/>
+              <a:endParaRPr lang="en-US"/>
+            </a:p>
+          </p:txBody>
+        </p:sp>
+        <p:sp>
+          <p:nvSpPr>
+            <p:cNvPr id="17" name="Rectangle: Rounded Corners 16">
+              <a:extLst>
+                <a:ext uri="{FF2B5EF4-FFF2-40B4-BE49-F238E27FC236}">
+                  <a16:creationId xmlns:a16="http://schemas.microsoft.com/office/drawing/2014/main" id="{1086749E-20D9-441A-82EA-B275C585A665}"/>
+                </a:ext>
+              </a:extLst>
+            </p:cNvPr>
+            <p:cNvSpPr/>
+            <p:nvPr/>
+          </p:nvSpPr>
+          <p:spPr>
+            <a:xfrm>
+              <a:off x="457200" y="1271844"/>
+              <a:ext cx="5902036" cy="3782294"/>
+            </a:xfrm>
+            <a:prstGeom prst="roundRect">
+              <a:avLst>
+                <a:gd name="adj" fmla="val 3260"/>
+              </a:avLst>
+            </a:prstGeom>
+            <a:solidFill>
+              <a:schemeClr val="accent5">
+                <a:lumMod val="20000"/>
+                <a:lumOff val="80000"/>
+              </a:schemeClr>
+            </a:solidFill>
+          </p:spPr>
+          <p:style>
+            <a:lnRef idx="2">
+              <a:schemeClr val="accent1">
+                <a:shade val="50000"/>
+              </a:schemeClr>
+            </a:lnRef>
+            <a:fillRef idx="1">
+              <a:schemeClr val="accent1"/>
+            </a:fillRef>
+            <a:effectRef idx="0">
+              <a:schemeClr val="accent1"/>
+            </a:effectRef>
+            <a:fontRef idx="minor">
+              <a:schemeClr val="lt1"/>
+            </a:fontRef>
+          </p:style>
+          <p:txBody>
+            <a:bodyPr rtlCol="0" anchor="ctr"/>
+            <a:lstStyle/>
+            <a:p>
+              <a:pPr algn="ctr"/>
+              <a:endParaRPr lang="en-US"/>
+            </a:p>
+          </p:txBody>
+        </p:sp>
+        <p:sp>
+          <p:nvSpPr>
+            <p:cNvPr id="11" name="Rectangle: Rounded Corners 10">
+              <a:extLst>
+                <a:ext uri="{FF2B5EF4-FFF2-40B4-BE49-F238E27FC236}">
+                  <a16:creationId xmlns:a16="http://schemas.microsoft.com/office/drawing/2014/main" id="{7FE7FE4C-D78A-47CF-81B9-42BB0CDC110F}"/>
+                </a:ext>
+              </a:extLst>
+            </p:cNvPr>
+            <p:cNvSpPr/>
+            <p:nvPr/>
+          </p:nvSpPr>
+          <p:spPr>
+            <a:xfrm>
+              <a:off x="731520" y="1978427"/>
+              <a:ext cx="3017520" cy="2610197"/>
+            </a:xfrm>
+            <a:prstGeom prst="roundRect">
+              <a:avLst>
+                <a:gd name="adj" fmla="val 2735"/>
+              </a:avLst>
+            </a:prstGeom>
+            <a:solidFill>
+              <a:schemeClr val="accent6">
+                <a:lumMod val="40000"/>
+                <a:lumOff val="60000"/>
+              </a:schemeClr>
+            </a:solidFill>
+          </p:spPr>
+          <p:style>
+            <a:lnRef idx="2">
+              <a:schemeClr val="accent1">
+                <a:shade val="50000"/>
+              </a:schemeClr>
+            </a:lnRef>
+            <a:fillRef idx="1">
+              <a:schemeClr val="accent1"/>
+            </a:fillRef>
+            <a:effectRef idx="0">
+              <a:schemeClr val="accent1"/>
+            </a:effectRef>
+            <a:fontRef idx="minor">
+              <a:schemeClr val="lt1"/>
+            </a:fontRef>
+          </p:style>
+          <p:txBody>
+            <a:bodyPr rtlCol="0" anchor="ctr"/>
+            <a:lstStyle/>
+            <a:p>
+              <a:pPr algn="ctr"/>
+              <a:endParaRPr lang="en-US"/>
+            </a:p>
+          </p:txBody>
+        </p:sp>
+        <p:sp>
+          <p:nvSpPr>
+            <p:cNvPr id="12" name="Rectangle 11">
+              <a:extLst>
+                <a:ext uri="{FF2B5EF4-FFF2-40B4-BE49-F238E27FC236}">
+                  <a16:creationId xmlns:a16="http://schemas.microsoft.com/office/drawing/2014/main" id="{E346F54F-0825-44BF-9026-1028AECF7189}"/>
+                </a:ext>
+              </a:extLst>
+            </p:cNvPr>
+            <p:cNvSpPr/>
+            <p:nvPr/>
+          </p:nvSpPr>
+          <p:spPr>
+            <a:xfrm>
+              <a:off x="781397" y="1679168"/>
+              <a:ext cx="1330036" cy="299259"/>
+            </a:xfrm>
+            <a:prstGeom prst="rect">
+              <a:avLst/>
+            </a:prstGeom>
+            <a:solidFill>
+              <a:schemeClr val="accent6">
+                <a:lumMod val="40000"/>
+                <a:lumOff val="60000"/>
+              </a:schemeClr>
+            </a:solidFill>
+          </p:spPr>
+          <p:style>
+            <a:lnRef idx="2">
+              <a:schemeClr val="accent1">
+                <a:shade val="50000"/>
+              </a:schemeClr>
+            </a:lnRef>
+            <a:fillRef idx="1">
+              <a:schemeClr val="accent1"/>
+            </a:fillRef>
+            <a:effectRef idx="0">
+              <a:schemeClr val="accent1"/>
+            </a:effectRef>
+            <a:fontRef idx="minor">
+              <a:schemeClr val="lt1"/>
+            </a:fontRef>
+          </p:style>
+          <p:txBody>
+            <a:bodyPr rtlCol="0" anchor="ctr"/>
+            <a:lstStyle/>
+            <a:p>
+              <a:pPr algn="ctr"/>
+              <a:r>
+                <a:rPr lang="en-US" dirty="0">
+                  <a:solidFill>
+                    <a:srgbClr val="C00000"/>
+                  </a:solidFill>
+                </a:rPr>
+                <a:t>Working </a:t>
+              </a:r>
+              <a:r>
+                <a:rPr lang="en-US" dirty="0" err="1">
+                  <a:solidFill>
+                    <a:srgbClr val="C00000"/>
+                  </a:solidFill>
+                </a:rPr>
+                <a:t>dir</a:t>
+              </a:r>
+              <a:endParaRPr lang="en-US" dirty="0">
+                <a:solidFill>
+                  <a:srgbClr val="C00000"/>
+                </a:solidFill>
+              </a:endParaRPr>
+            </a:p>
+          </p:txBody>
+        </p:sp>
+        <p:sp>
+          <p:nvSpPr>
+            <p:cNvPr id="4" name="TextBox 3">
+              <a:extLst>
+                <a:ext uri="{FF2B5EF4-FFF2-40B4-BE49-F238E27FC236}">
+                  <a16:creationId xmlns:a16="http://schemas.microsoft.com/office/drawing/2014/main" id="{0EEDBF7D-6609-4F86-AFA5-DFF60F604B38}"/>
+                </a:ext>
+              </a:extLst>
+            </p:cNvPr>
+            <p:cNvSpPr txBox="1"/>
+            <p:nvPr/>
+          </p:nvSpPr>
+          <p:spPr>
+            <a:xfrm>
+              <a:off x="6583679" y="2597114"/>
+              <a:ext cx="1546168" cy="369332"/>
+            </a:xfrm>
+            <a:prstGeom prst="rect">
+              <a:avLst/>
+            </a:prstGeom>
+            <a:noFill/>
+          </p:spPr>
+          <p:txBody>
+            <a:bodyPr wrap="square" rtlCol="0">
+              <a:spAutoFit/>
+            </a:bodyPr>
+            <a:lstStyle/>
+            <a:p>
+              <a:pPr algn="ctr"/>
+              <a:r>
+                <a:rPr lang="en-US" dirty="0"/>
+                <a:t>git pull</a:t>
+              </a:r>
+            </a:p>
+          </p:txBody>
+        </p:sp>
+        <p:sp>
+          <p:nvSpPr>
+            <p:cNvPr id="5" name="TextBox 4">
+              <a:extLst>
+                <a:ext uri="{FF2B5EF4-FFF2-40B4-BE49-F238E27FC236}">
+                  <a16:creationId xmlns:a16="http://schemas.microsoft.com/office/drawing/2014/main" id="{AE9418CC-52F8-4EED-80CF-D2A36888C876}"/>
+                </a:ext>
+              </a:extLst>
+            </p:cNvPr>
+            <p:cNvSpPr txBox="1"/>
+            <p:nvPr/>
+          </p:nvSpPr>
+          <p:spPr>
+            <a:xfrm>
+              <a:off x="2248591" y="1609095"/>
+              <a:ext cx="1546168" cy="369332"/>
+            </a:xfrm>
+            <a:prstGeom prst="rect">
+              <a:avLst/>
+            </a:prstGeom>
+            <a:noFill/>
+          </p:spPr>
+          <p:txBody>
+            <a:bodyPr wrap="square" rtlCol="0">
+              <a:spAutoFit/>
+            </a:bodyPr>
+            <a:lstStyle/>
+            <a:p>
+              <a:pPr algn="ctr"/>
+              <a:r>
+                <a:rPr lang="en-US" dirty="0"/>
+                <a:t>git status</a:t>
+              </a:r>
+            </a:p>
+          </p:txBody>
+        </p:sp>
+        <p:sp>
+          <p:nvSpPr>
+            <p:cNvPr id="6" name="TextBox 5">
+              <a:extLst>
+                <a:ext uri="{FF2B5EF4-FFF2-40B4-BE49-F238E27FC236}">
+                  <a16:creationId xmlns:a16="http://schemas.microsoft.com/office/drawing/2014/main" id="{1666BC2A-BE9D-4B97-93EE-576C9B219068}"/>
+                </a:ext>
+              </a:extLst>
+            </p:cNvPr>
+            <p:cNvSpPr txBox="1"/>
+            <p:nvPr/>
+          </p:nvSpPr>
+          <p:spPr>
+            <a:xfrm>
+              <a:off x="939337" y="4083336"/>
+              <a:ext cx="1546168" cy="369332"/>
+            </a:xfrm>
+            <a:prstGeom prst="rect">
+              <a:avLst/>
+            </a:prstGeom>
+            <a:noFill/>
+          </p:spPr>
+          <p:txBody>
+            <a:bodyPr wrap="square" rtlCol="0">
+              <a:spAutoFit/>
+            </a:bodyPr>
+            <a:lstStyle/>
+            <a:p>
+              <a:pPr algn="ctr"/>
+              <a:r>
+                <a:rPr lang="en-US" dirty="0"/>
+                <a:t>git add</a:t>
+              </a:r>
+            </a:p>
+          </p:txBody>
+        </p:sp>
+        <p:sp>
+          <p:nvSpPr>
+            <p:cNvPr id="7" name="TextBox 6">
+              <a:extLst>
+                <a:ext uri="{FF2B5EF4-FFF2-40B4-BE49-F238E27FC236}">
+                  <a16:creationId xmlns:a16="http://schemas.microsoft.com/office/drawing/2014/main" id="{752ED639-6FA2-4151-ACE0-1F2697E2ACC3}"/>
+                </a:ext>
+              </a:extLst>
+            </p:cNvPr>
+            <p:cNvSpPr txBox="1"/>
+            <p:nvPr/>
+          </p:nvSpPr>
+          <p:spPr>
+            <a:xfrm>
+              <a:off x="3819698" y="4096390"/>
+              <a:ext cx="1546168" cy="369332"/>
+            </a:xfrm>
+            <a:prstGeom prst="rect">
+              <a:avLst/>
+            </a:prstGeom>
+            <a:noFill/>
+          </p:spPr>
+          <p:txBody>
+            <a:bodyPr wrap="square" rtlCol="0">
+              <a:spAutoFit/>
+            </a:bodyPr>
+            <a:lstStyle/>
+            <a:p>
+              <a:pPr algn="ctr"/>
+              <a:r>
+                <a:rPr lang="en-US" dirty="0"/>
+                <a:t>git commit</a:t>
+              </a:r>
+            </a:p>
+          </p:txBody>
+        </p:sp>
+        <p:sp>
+          <p:nvSpPr>
+            <p:cNvPr id="8" name="Cylinder 7">
+              <a:extLst>
+                <a:ext uri="{FF2B5EF4-FFF2-40B4-BE49-F238E27FC236}">
+                  <a16:creationId xmlns:a16="http://schemas.microsoft.com/office/drawing/2014/main" id="{88E2B54B-4789-4E44-9DEC-8EFE590DB704}"/>
+                </a:ext>
+              </a:extLst>
+            </p:cNvPr>
+            <p:cNvSpPr/>
+            <p:nvPr/>
+          </p:nvSpPr>
+          <p:spPr>
+            <a:xfrm>
+              <a:off x="4746567" y="2687380"/>
+              <a:ext cx="872837" cy="1113905"/>
+            </a:xfrm>
+            <a:prstGeom prst="can">
+              <a:avLst/>
+            </a:prstGeom>
+          </p:spPr>
+          <p:style>
+            <a:lnRef idx="2">
+              <a:schemeClr val="accent1">
+                <a:shade val="50000"/>
+              </a:schemeClr>
+            </a:lnRef>
+            <a:fillRef idx="1">
+              <a:schemeClr val="accent1"/>
+            </a:fillRef>
+            <a:effectRef idx="0">
+              <a:schemeClr val="accent1"/>
+            </a:effectRef>
+            <a:fontRef idx="minor">
+              <a:schemeClr val="lt1"/>
+            </a:fontRef>
+          </p:style>
+          <p:txBody>
+            <a:bodyPr rtlCol="0" anchor="ctr"/>
+            <a:lstStyle/>
+            <a:p>
+              <a:pPr algn="ctr"/>
+              <a:r>
+                <a:rPr lang="en-US" dirty="0"/>
+                <a:t>Local </a:t>
+              </a:r>
+            </a:p>
+            <a:p>
+              <a:pPr algn="ctr"/>
+              <a:r>
+                <a:rPr lang="en-US" dirty="0"/>
+                <a:t>Git</a:t>
+              </a:r>
+            </a:p>
+            <a:p>
+              <a:pPr algn="ctr"/>
+              <a:r>
+                <a:rPr lang="en-US" dirty="0"/>
+                <a:t>repo</a:t>
+              </a:r>
+            </a:p>
+          </p:txBody>
+        </p:sp>
+        <p:sp>
+          <p:nvSpPr>
+            <p:cNvPr id="9" name="Rectangle: Folded Corner 8">
+              <a:extLst>
+                <a:ext uri="{FF2B5EF4-FFF2-40B4-BE49-F238E27FC236}">
+                  <a16:creationId xmlns:a16="http://schemas.microsoft.com/office/drawing/2014/main" id="{91744570-BF9E-4713-AE5A-3DA6F00A157F}"/>
+                </a:ext>
+              </a:extLst>
+            </p:cNvPr>
+            <p:cNvSpPr/>
+            <p:nvPr/>
+          </p:nvSpPr>
+          <p:spPr>
+            <a:xfrm flipH="1">
+              <a:off x="1047402" y="2537752"/>
+              <a:ext cx="789710" cy="706582"/>
+            </a:xfrm>
+            <a:prstGeom prst="foldedCorner">
+              <a:avLst/>
+            </a:prstGeom>
+          </p:spPr>
+          <p:style>
+            <a:lnRef idx="2">
+              <a:schemeClr val="accent1">
+                <a:shade val="50000"/>
+              </a:schemeClr>
+            </a:lnRef>
+            <a:fillRef idx="1">
+              <a:schemeClr val="accent1"/>
+            </a:fillRef>
+            <a:effectRef idx="0">
+              <a:schemeClr val="accent1"/>
+            </a:effectRef>
+            <a:fontRef idx="minor">
+              <a:schemeClr val="lt1"/>
+            </a:fontRef>
+          </p:style>
+          <p:txBody>
+            <a:bodyPr rtlCol="0" anchor="ctr"/>
+            <a:lstStyle/>
+            <a:p>
+              <a:pPr algn="ctr"/>
+              <a:r>
+                <a:rPr lang="en-US" dirty="0"/>
+                <a:t>File(s)</a:t>
+              </a:r>
+            </a:p>
+          </p:txBody>
+        </p:sp>
+        <p:sp>
+          <p:nvSpPr>
+            <p:cNvPr id="13" name="Cylinder 12">
+              <a:extLst>
+                <a:ext uri="{FF2B5EF4-FFF2-40B4-BE49-F238E27FC236}">
+                  <a16:creationId xmlns:a16="http://schemas.microsoft.com/office/drawing/2014/main" id="{E6F15E0B-4044-41C0-9D9A-D208F59C5CF2}"/>
+                </a:ext>
+              </a:extLst>
+            </p:cNvPr>
+            <p:cNvSpPr/>
+            <p:nvPr/>
+          </p:nvSpPr>
+          <p:spPr>
+            <a:xfrm>
+              <a:off x="9218815" y="2312123"/>
+              <a:ext cx="1197032" cy="1113905"/>
+            </a:xfrm>
+            <a:prstGeom prst="can">
+              <a:avLst/>
+            </a:prstGeom>
+          </p:spPr>
+          <p:style>
+            <a:lnRef idx="2">
+              <a:schemeClr val="accent1">
+                <a:shade val="50000"/>
+              </a:schemeClr>
+            </a:lnRef>
+            <a:fillRef idx="1">
+              <a:schemeClr val="accent1"/>
+            </a:fillRef>
+            <a:effectRef idx="0">
+              <a:schemeClr val="accent1"/>
+            </a:effectRef>
+            <a:fontRef idx="minor">
+              <a:schemeClr val="lt1"/>
+            </a:fontRef>
+          </p:style>
+          <p:txBody>
+            <a:bodyPr rtlCol="0" anchor="ctr"/>
+            <a:lstStyle/>
+            <a:p>
+              <a:pPr algn="ctr"/>
+              <a:r>
+                <a:rPr lang="en-US" dirty="0"/>
+                <a:t>Remote</a:t>
+              </a:r>
+            </a:p>
+            <a:p>
+              <a:pPr algn="ctr"/>
+              <a:r>
+                <a:rPr lang="en-US" dirty="0"/>
+                <a:t>Git</a:t>
+              </a:r>
+            </a:p>
+            <a:p>
+              <a:pPr algn="ctr"/>
+              <a:r>
+                <a:rPr lang="en-US" dirty="0"/>
+                <a:t>repo</a:t>
+              </a:r>
+            </a:p>
+          </p:txBody>
+        </p:sp>
+        <p:sp>
+          <p:nvSpPr>
+            <p:cNvPr id="14" name="Rectangle: Top Corners Snipped 13">
+              <a:extLst>
+                <a:ext uri="{FF2B5EF4-FFF2-40B4-BE49-F238E27FC236}">
+                  <a16:creationId xmlns:a16="http://schemas.microsoft.com/office/drawing/2014/main" id="{93901BDB-9DBC-4FDB-85FD-98E03E9CAE2F}"/>
+                </a:ext>
+              </a:extLst>
+            </p:cNvPr>
+            <p:cNvSpPr/>
+            <p:nvPr/>
+          </p:nvSpPr>
+          <p:spPr>
+            <a:xfrm>
+              <a:off x="2240280" y="3700951"/>
+              <a:ext cx="1330036" cy="764771"/>
+            </a:xfrm>
+            <a:prstGeom prst="snip2SameRect">
+              <a:avLst/>
+            </a:prstGeom>
+          </p:spPr>
+          <p:style>
+            <a:lnRef idx="2">
+              <a:schemeClr val="accent1">
+                <a:shade val="50000"/>
+              </a:schemeClr>
+            </a:lnRef>
+            <a:fillRef idx="1">
+              <a:schemeClr val="accent1"/>
+            </a:fillRef>
+            <a:effectRef idx="0">
+              <a:schemeClr val="accent1"/>
+            </a:effectRef>
+            <a:fontRef idx="minor">
+              <a:schemeClr val="lt1"/>
+            </a:fontRef>
+          </p:style>
+          <p:txBody>
+            <a:bodyPr rtlCol="0" anchor="ctr"/>
+            <a:lstStyle/>
+            <a:p>
+              <a:pPr algn="ctr"/>
+              <a:r>
+                <a:rPr lang="en-US" dirty="0"/>
+                <a:t>Staging</a:t>
+              </a:r>
+            </a:p>
+            <a:p>
+              <a:pPr algn="ctr"/>
+              <a:r>
+                <a:rPr lang="en-US" dirty="0"/>
+                <a:t>Area</a:t>
+              </a:r>
+            </a:p>
+          </p:txBody>
+        </p:sp>
+        <p:cxnSp>
+          <p:nvCxnSpPr>
+            <p:cNvPr id="16" name="Connector: Elbow 15">
+              <a:extLst>
+                <a:ext uri="{FF2B5EF4-FFF2-40B4-BE49-F238E27FC236}">
+                  <a16:creationId xmlns:a16="http://schemas.microsoft.com/office/drawing/2014/main" id="{5D9A5CDF-CB4F-4569-B72F-52A9E413CA71}"/>
+                </a:ext>
+              </a:extLst>
+            </p:cNvPr>
+            <p:cNvCxnSpPr>
+              <a:stCxn id="9" idx="2"/>
+              <a:endCxn id="14" idx="2"/>
+            </p:cNvCxnSpPr>
+            <p:nvPr/>
+          </p:nvCxnSpPr>
+          <p:spPr>
+            <a:xfrm rot="16200000" flipH="1">
+              <a:off x="1421767" y="3264823"/>
+              <a:ext cx="839003" cy="798023"/>
+            </a:xfrm>
+            <a:prstGeom prst="bentConnector2">
+              <a:avLst/>
+            </a:prstGeom>
+            <a:ln w="38100">
+              <a:tailEnd type="triangle"/>
+            </a:ln>
+          </p:spPr>
+          <p:style>
+            <a:lnRef idx="1">
+              <a:schemeClr val="accent1"/>
+            </a:lnRef>
+            <a:fillRef idx="0">
+              <a:schemeClr val="accent1"/>
+            </a:fillRef>
+            <a:effectRef idx="0">
+              <a:schemeClr val="accent1"/>
+            </a:effectRef>
+            <a:fontRef idx="minor">
+              <a:schemeClr val="tx1"/>
+            </a:fontRef>
+          </p:style>
+        </p:cxnSp>
+        <p:sp>
+          <p:nvSpPr>
+            <p:cNvPr id="18" name="Trapezoid 17">
+              <a:extLst>
+                <a:ext uri="{FF2B5EF4-FFF2-40B4-BE49-F238E27FC236}">
+                  <a16:creationId xmlns:a16="http://schemas.microsoft.com/office/drawing/2014/main" id="{84015688-16FB-493C-854C-F5531EEE1B00}"/>
+                </a:ext>
+              </a:extLst>
+            </p:cNvPr>
+            <p:cNvSpPr/>
+            <p:nvPr/>
+          </p:nvSpPr>
+          <p:spPr>
+            <a:xfrm>
+              <a:off x="141318" y="5067191"/>
+              <a:ext cx="6533802" cy="1503440"/>
+            </a:xfrm>
+            <a:prstGeom prst="trapezoid">
+              <a:avLst/>
+            </a:prstGeom>
+            <a:solidFill>
+              <a:schemeClr val="bg1">
+                <a:lumMod val="85000"/>
+              </a:schemeClr>
+            </a:solidFill>
+            <a:ln>
+              <a:solidFill>
+                <a:schemeClr val="accent6">
+                  <a:lumMod val="50000"/>
+                </a:schemeClr>
+              </a:solidFill>
+            </a:ln>
+          </p:spPr>
+          <p:style>
+            <a:lnRef idx="2">
+              <a:schemeClr val="accent1">
+                <a:shade val="50000"/>
+              </a:schemeClr>
+            </a:lnRef>
+            <a:fillRef idx="1">
+              <a:schemeClr val="accent1"/>
+            </a:fillRef>
+            <a:effectRef idx="0">
+              <a:schemeClr val="accent1"/>
+            </a:effectRef>
+            <a:fontRef idx="minor">
+              <a:schemeClr val="lt1"/>
+            </a:fontRef>
+          </p:style>
+          <p:txBody>
+            <a:bodyPr rtlCol="0" anchor="ctr"/>
+            <a:lstStyle/>
+            <a:p>
+              <a:pPr algn="ctr"/>
+              <a:r>
+                <a:rPr lang="en-US" dirty="0">
+                  <a:solidFill>
+                    <a:schemeClr val="accent6">
+                      <a:lumMod val="50000"/>
+                    </a:schemeClr>
+                  </a:solidFill>
+                </a:rPr>
+                <a:t>Local</a:t>
+              </a:r>
+            </a:p>
+            <a:p>
+              <a:pPr algn="ctr"/>
+              <a:r>
+                <a:rPr lang="en-US" dirty="0">
+                  <a:solidFill>
+                    <a:schemeClr val="accent6">
+                      <a:lumMod val="50000"/>
+                    </a:schemeClr>
+                  </a:solidFill>
+                </a:rPr>
+                <a:t>Computer</a:t>
+              </a:r>
+            </a:p>
+          </p:txBody>
+        </p:sp>
+        <p:cxnSp>
+          <p:nvCxnSpPr>
+            <p:cNvPr id="20" name="Connector: Elbow 19">
+              <a:extLst>
+                <a:ext uri="{FF2B5EF4-FFF2-40B4-BE49-F238E27FC236}">
+                  <a16:creationId xmlns:a16="http://schemas.microsoft.com/office/drawing/2014/main" id="{9A568969-7926-4470-88C5-B1360620DAAC}"/>
+                </a:ext>
+              </a:extLst>
+            </p:cNvPr>
+            <p:cNvCxnSpPr>
+              <a:endCxn id="8" idx="3"/>
+            </p:cNvCxnSpPr>
+            <p:nvPr/>
+          </p:nvCxnSpPr>
+          <p:spPr>
+            <a:xfrm flipV="1">
+              <a:off x="3570316" y="3801285"/>
+              <a:ext cx="1612670" cy="282051"/>
+            </a:xfrm>
+            <a:prstGeom prst="bentConnector2">
+              <a:avLst/>
+            </a:prstGeom>
+            <a:ln w="38100">
+              <a:tailEnd type="triangle"/>
+            </a:ln>
+          </p:spPr>
+          <p:style>
+            <a:lnRef idx="1">
+              <a:schemeClr val="accent1"/>
+            </a:lnRef>
+            <a:fillRef idx="0">
+              <a:schemeClr val="accent1"/>
+            </a:fillRef>
+            <a:effectRef idx="0">
+              <a:schemeClr val="accent1"/>
+            </a:effectRef>
+            <a:fontRef idx="minor">
+              <a:schemeClr val="tx1"/>
+            </a:fontRef>
+          </p:style>
+        </p:cxnSp>
+        <p:cxnSp>
+          <p:nvCxnSpPr>
+            <p:cNvPr id="22" name="Straight Arrow Connector 21">
+              <a:extLst>
+                <a:ext uri="{FF2B5EF4-FFF2-40B4-BE49-F238E27FC236}">
+                  <a16:creationId xmlns:a16="http://schemas.microsoft.com/office/drawing/2014/main" id="{FFA9C807-D78D-496C-9B60-52044BA05D82}"/>
+                </a:ext>
+              </a:extLst>
+            </p:cNvPr>
+            <p:cNvCxnSpPr>
+              <a:cxnSpLocks/>
+            </p:cNvCxnSpPr>
+            <p:nvPr/>
+          </p:nvCxnSpPr>
+          <p:spPr>
+            <a:xfrm flipH="1">
+              <a:off x="5619404" y="2869075"/>
+              <a:ext cx="3507971" cy="181696"/>
+            </a:xfrm>
+            <a:prstGeom prst="straightConnector1">
+              <a:avLst/>
+            </a:prstGeom>
+            <a:ln w="38100">
+              <a:solidFill>
+                <a:schemeClr val="accent2">
+                  <a:lumMod val="75000"/>
+                </a:schemeClr>
+              </a:solidFill>
+              <a:tailEnd type="triangle"/>
+            </a:ln>
+          </p:spPr>
+          <p:style>
+            <a:lnRef idx="1">
+              <a:schemeClr val="accent1"/>
+            </a:lnRef>
+            <a:fillRef idx="0">
+              <a:schemeClr val="accent1"/>
+            </a:fillRef>
+            <a:effectRef idx="0">
+              <a:schemeClr val="accent1"/>
+            </a:effectRef>
+            <a:fontRef idx="minor">
+              <a:schemeClr val="tx1"/>
+            </a:fontRef>
+          </p:style>
+        </p:cxnSp>
+        <p:cxnSp>
+          <p:nvCxnSpPr>
+            <p:cNvPr id="25" name="Straight Arrow Connector 24">
+              <a:extLst>
+                <a:ext uri="{FF2B5EF4-FFF2-40B4-BE49-F238E27FC236}">
+                  <a16:creationId xmlns:a16="http://schemas.microsoft.com/office/drawing/2014/main" id="{4F801B7D-624D-48C5-B457-26ACFC9574C9}"/>
+                </a:ext>
+              </a:extLst>
+            </p:cNvPr>
+            <p:cNvCxnSpPr>
+              <a:cxnSpLocks/>
+            </p:cNvCxnSpPr>
+            <p:nvPr/>
+          </p:nvCxnSpPr>
+          <p:spPr>
+            <a:xfrm flipV="1">
+              <a:off x="5660967" y="3094704"/>
+              <a:ext cx="3466408" cy="188821"/>
+            </a:xfrm>
+            <a:prstGeom prst="straightConnector1">
+              <a:avLst/>
+            </a:prstGeom>
+            <a:ln w="38100">
+              <a:solidFill>
+                <a:schemeClr val="accent2">
+                  <a:lumMod val="75000"/>
+                </a:schemeClr>
+              </a:solidFill>
+              <a:tailEnd type="triangle"/>
+            </a:ln>
+          </p:spPr>
+          <p:style>
+            <a:lnRef idx="1">
+              <a:schemeClr val="accent1"/>
+            </a:lnRef>
+            <a:fillRef idx="0">
+              <a:schemeClr val="accent1"/>
+            </a:fillRef>
+            <a:effectRef idx="0">
+              <a:schemeClr val="accent1"/>
+            </a:effectRef>
+            <a:fontRef idx="minor">
+              <a:schemeClr val="tx1"/>
+            </a:fontRef>
+          </p:style>
+        </p:cxnSp>
+        <p:sp>
+          <p:nvSpPr>
+            <p:cNvPr id="30" name="TextBox 29">
+              <a:extLst>
+                <a:ext uri="{FF2B5EF4-FFF2-40B4-BE49-F238E27FC236}">
+                  <a16:creationId xmlns:a16="http://schemas.microsoft.com/office/drawing/2014/main" id="{5A8615A0-4F2A-4BAA-AF38-D5FBD69AFA64}"/>
+                </a:ext>
+              </a:extLst>
+            </p:cNvPr>
+            <p:cNvSpPr txBox="1"/>
+            <p:nvPr/>
+          </p:nvSpPr>
+          <p:spPr>
+            <a:xfrm>
+              <a:off x="6754091" y="3241362"/>
+              <a:ext cx="1546168" cy="369332"/>
+            </a:xfrm>
+            <a:prstGeom prst="rect">
+              <a:avLst/>
+            </a:prstGeom>
+            <a:noFill/>
+          </p:spPr>
+          <p:txBody>
+            <a:bodyPr wrap="square" rtlCol="0">
+              <a:spAutoFit/>
+            </a:bodyPr>
+            <a:lstStyle/>
+            <a:p>
+              <a:pPr algn="ctr"/>
+              <a:r>
+                <a:rPr lang="en-US" dirty="0"/>
+                <a:t>git push</a:t>
+              </a:r>
+            </a:p>
+          </p:txBody>
+        </p:sp>
+      </p:grpSp>
+    </p:spTree>
+    <p:extLst>
+      <p:ext uri="{BB962C8B-B14F-4D97-AF65-F5344CB8AC3E}">
+        <p14:creationId xmlns:p14="http://schemas.microsoft.com/office/powerpoint/2010/main" val="525066141"/>
+      </p:ext>
+    </p:extLst>
+  </p:cSld>
+  <p:clrMapOvr>
+    <a:masterClrMapping/>
+  </p:clrMapOvr>
+</p:sld>
+</file>
+
+<file path=ppt/slides/slide4.xml><?xml version="1.0" encoding="utf-8"?>
+<p:sld xmlns:a="http://schemas.openxmlformats.org/drawingml/2006/main" xmlns:r="http://schemas.openxmlformats.org/officeDocument/2006/relationships" xmlns:p="http://schemas.openxmlformats.org/presentationml/2006/main">
+  <p:cSld>
+    <p:spTree>
+      <p:nvGrpSpPr>
+        <p:cNvPr id="1" name=""/>
+        <p:cNvGrpSpPr/>
+        <p:nvPr/>
+      </p:nvGrpSpPr>
+      <p:grpSpPr>
+        <a:xfrm>
+          <a:off x="0" y="0"/>
+          <a:ext cx="0" cy="0"/>
+          <a:chOff x="0" y="0"/>
+          <a:chExt cx="0" cy="0"/>
+        </a:xfrm>
+      </p:grpSpPr>
+      <p:grpSp>
+        <p:nvGrpSpPr>
+          <p:cNvPr id="10" name="Group 9">
+            <a:extLst>
+              <a:ext uri="{FF2B5EF4-FFF2-40B4-BE49-F238E27FC236}">
+                <a16:creationId xmlns:a16="http://schemas.microsoft.com/office/drawing/2014/main" id="{05568B2D-AE55-4DD7-B051-56ABC3275BF5}"/>
+              </a:ext>
+            </a:extLst>
+          </p:cNvPr>
+          <p:cNvGrpSpPr/>
+          <p:nvPr/>
+        </p:nvGrpSpPr>
+        <p:grpSpPr>
+          <a:xfrm>
+            <a:off x="8703425" y="490451"/>
+            <a:ext cx="3147753" cy="3944973"/>
+            <a:chOff x="8587047" y="1122218"/>
+            <a:chExt cx="3147753" cy="3944973"/>
+          </a:xfrm>
+        </p:grpSpPr>
+        <p:sp>
+          <p:nvSpPr>
+            <p:cNvPr id="24" name="Cloud 23">
+              <a:extLst>
+                <a:ext uri="{FF2B5EF4-FFF2-40B4-BE49-F238E27FC236}">
+                  <a16:creationId xmlns:a16="http://schemas.microsoft.com/office/drawing/2014/main" id="{D3556953-2913-44C6-B9D5-B064B4C6950C}"/>
+                </a:ext>
+              </a:extLst>
+            </p:cNvPr>
+            <p:cNvSpPr/>
+            <p:nvPr/>
+          </p:nvSpPr>
+          <p:spPr>
+            <a:xfrm>
+              <a:off x="8587047" y="1122218"/>
+              <a:ext cx="3147753" cy="3944973"/>
+            </a:xfrm>
+            <a:prstGeom prst="cloud">
+              <a:avLst/>
+            </a:prstGeom>
+            <a:solidFill>
+              <a:schemeClr val="accent3">
+                <a:lumMod val="20000"/>
+                <a:lumOff val="80000"/>
+              </a:schemeClr>
+            </a:solidFill>
+          </p:spPr>
+          <p:style>
+            <a:lnRef idx="2">
+              <a:schemeClr val="accent1">
+                <a:shade val="50000"/>
+              </a:schemeClr>
+            </a:lnRef>
+            <a:fillRef idx="1">
+              <a:schemeClr val="accent1"/>
+            </a:fillRef>
+            <a:effectRef idx="0">
+              <a:schemeClr val="accent1"/>
+            </a:effectRef>
+            <a:fontRef idx="minor">
+              <a:schemeClr val="lt1"/>
+            </a:fontRef>
+          </p:style>
+          <p:txBody>
+            <a:bodyPr rtlCol="0" anchor="ctr"/>
+            <a:lstStyle/>
+            <a:p>
+              <a:pPr algn="ctr"/>
+              <a:endParaRPr lang="en-US"/>
+            </a:p>
+          </p:txBody>
+        </p:sp>
+        <p:sp>
+          <p:nvSpPr>
+            <p:cNvPr id="13" name="Cylinder 12">
+              <a:extLst>
+                <a:ext uri="{FF2B5EF4-FFF2-40B4-BE49-F238E27FC236}">
+                  <a16:creationId xmlns:a16="http://schemas.microsoft.com/office/drawing/2014/main" id="{E6F15E0B-4044-41C0-9D9A-D208F59C5CF2}"/>
+                </a:ext>
+              </a:extLst>
+            </p:cNvPr>
+            <p:cNvSpPr/>
+            <p:nvPr/>
+          </p:nvSpPr>
+          <p:spPr>
+            <a:xfrm>
+              <a:off x="9218815" y="2312123"/>
+              <a:ext cx="1197032" cy="1113905"/>
+            </a:xfrm>
+            <a:prstGeom prst="can">
+              <a:avLst/>
+            </a:prstGeom>
+          </p:spPr>
+          <p:style>
+            <a:lnRef idx="2">
+              <a:schemeClr val="accent1">
+                <a:shade val="50000"/>
+              </a:schemeClr>
+            </a:lnRef>
+            <a:fillRef idx="1">
+              <a:schemeClr val="accent1"/>
+            </a:fillRef>
+            <a:effectRef idx="0">
+              <a:schemeClr val="accent1"/>
+            </a:effectRef>
+            <a:fontRef idx="minor">
+              <a:schemeClr val="lt1"/>
+            </a:fontRef>
+          </p:style>
+          <p:txBody>
+            <a:bodyPr rtlCol="0" anchor="ctr"/>
+            <a:lstStyle/>
+            <a:p>
+              <a:pPr algn="ctr"/>
+              <a:r>
+                <a:rPr lang="en-US" dirty="0"/>
+                <a:t>Upstream</a:t>
+              </a:r>
+            </a:p>
+            <a:p>
+              <a:pPr algn="ctr"/>
+              <a:r>
+                <a:rPr lang="en-US" dirty="0"/>
+                <a:t>Git</a:t>
+              </a:r>
+            </a:p>
+            <a:p>
+              <a:pPr algn="ctr"/>
+              <a:r>
+                <a:rPr lang="en-US" dirty="0"/>
+                <a:t>repo</a:t>
+              </a:r>
+            </a:p>
+          </p:txBody>
+        </p:sp>
+      </p:grpSp>
+      <p:pic>
+        <p:nvPicPr>
+          <p:cNvPr id="3" name="Picture 2">
+            <a:extLst>
+              <a:ext uri="{FF2B5EF4-FFF2-40B4-BE49-F238E27FC236}">
+                <a16:creationId xmlns:a16="http://schemas.microsoft.com/office/drawing/2014/main" id="{9D65BD9B-7201-4812-BF67-5877E6F76152}"/>
+              </a:ext>
+            </a:extLst>
+          </p:cNvPr>
+          <p:cNvPicPr>
+            <a:picLocks noChangeAspect="1"/>
+          </p:cNvPicPr>
+          <p:nvPr/>
+        </p:nvPicPr>
+        <p:blipFill>
+          <a:blip r:embed="rId2"/>
+          <a:stretch>
+            <a:fillRect/>
+          </a:stretch>
+        </p:blipFill>
+        <p:spPr>
+          <a:xfrm>
+            <a:off x="228601" y="3852759"/>
+            <a:ext cx="3147753" cy="2548041"/>
+          </a:xfrm>
+          <a:prstGeom prst="rect">
+            <a:avLst/>
+          </a:prstGeom>
+        </p:spPr>
+      </p:pic>
+      <p:grpSp>
+        <p:nvGrpSpPr>
+          <p:cNvPr id="28" name="Group 27">
+            <a:extLst>
+              <a:ext uri="{FF2B5EF4-FFF2-40B4-BE49-F238E27FC236}">
+                <a16:creationId xmlns:a16="http://schemas.microsoft.com/office/drawing/2014/main" id="{8BBEF60F-FC38-4703-AD94-3C75B4475F28}"/>
+              </a:ext>
+            </a:extLst>
+          </p:cNvPr>
+          <p:cNvGrpSpPr/>
+          <p:nvPr/>
+        </p:nvGrpSpPr>
+        <p:grpSpPr>
+          <a:xfrm>
+            <a:off x="4407824" y="792480"/>
+            <a:ext cx="3147753" cy="3944973"/>
+            <a:chOff x="8587047" y="1122218"/>
+            <a:chExt cx="3147753" cy="3944973"/>
+          </a:xfrm>
+        </p:grpSpPr>
+        <p:sp>
+          <p:nvSpPr>
+            <p:cNvPr id="29" name="Cloud 28">
+              <a:extLst>
+                <a:ext uri="{FF2B5EF4-FFF2-40B4-BE49-F238E27FC236}">
+                  <a16:creationId xmlns:a16="http://schemas.microsoft.com/office/drawing/2014/main" id="{22E21B98-8450-4647-B1EB-21CAD40489B8}"/>
+                </a:ext>
+              </a:extLst>
+            </p:cNvPr>
+            <p:cNvSpPr/>
+            <p:nvPr/>
+          </p:nvSpPr>
+          <p:spPr>
+            <a:xfrm>
+              <a:off x="8587047" y="1122218"/>
+              <a:ext cx="3147753" cy="3944973"/>
+            </a:xfrm>
+            <a:prstGeom prst="cloud">
+              <a:avLst/>
+            </a:prstGeom>
+            <a:solidFill>
+              <a:schemeClr val="accent3">
+                <a:lumMod val="20000"/>
+                <a:lumOff val="80000"/>
+              </a:schemeClr>
+            </a:solidFill>
+          </p:spPr>
+          <p:style>
+            <a:lnRef idx="2">
+              <a:schemeClr val="accent1">
+                <a:shade val="50000"/>
+              </a:schemeClr>
+            </a:lnRef>
+            <a:fillRef idx="1">
+              <a:schemeClr val="accent1"/>
+            </a:fillRef>
+            <a:effectRef idx="0">
+              <a:schemeClr val="accent1"/>
+            </a:effectRef>
+            <a:fontRef idx="minor">
+              <a:schemeClr val="lt1"/>
+            </a:fontRef>
+          </p:style>
+          <p:txBody>
+            <a:bodyPr rtlCol="0" anchor="ctr"/>
+            <a:lstStyle/>
+            <a:p>
+              <a:pPr algn="ctr"/>
+              <a:endParaRPr lang="en-US"/>
+            </a:p>
+          </p:txBody>
+        </p:sp>
+        <p:sp>
+          <p:nvSpPr>
+            <p:cNvPr id="31" name="Cylinder 30">
+              <a:extLst>
+                <a:ext uri="{FF2B5EF4-FFF2-40B4-BE49-F238E27FC236}">
+                  <a16:creationId xmlns:a16="http://schemas.microsoft.com/office/drawing/2014/main" id="{8ED540D5-64B8-4E03-9309-6A8A58495AAD}"/>
+                </a:ext>
+              </a:extLst>
+            </p:cNvPr>
+            <p:cNvSpPr/>
+            <p:nvPr/>
+          </p:nvSpPr>
+          <p:spPr>
+            <a:xfrm>
+              <a:off x="9218815" y="2312123"/>
+              <a:ext cx="1197032" cy="1113905"/>
+            </a:xfrm>
+            <a:prstGeom prst="can">
+              <a:avLst/>
+            </a:prstGeom>
+          </p:spPr>
+          <p:style>
+            <a:lnRef idx="2">
+              <a:schemeClr val="accent1">
+                <a:shade val="50000"/>
+              </a:schemeClr>
+            </a:lnRef>
+            <a:fillRef idx="1">
+              <a:schemeClr val="accent1"/>
+            </a:fillRef>
+            <a:effectRef idx="0">
+              <a:schemeClr val="accent1"/>
+            </a:effectRef>
+            <a:fontRef idx="minor">
+              <a:schemeClr val="lt1"/>
+            </a:fontRef>
+          </p:style>
+          <p:txBody>
+            <a:bodyPr rtlCol="0" anchor="ctr"/>
+            <a:lstStyle/>
+            <a:p>
+              <a:pPr algn="ctr"/>
+              <a:r>
+                <a:rPr lang="en-US" dirty="0"/>
+                <a:t>Origin</a:t>
+              </a:r>
+            </a:p>
+            <a:p>
+              <a:pPr algn="ctr"/>
+              <a:r>
+                <a:rPr lang="en-US" dirty="0"/>
+                <a:t>Git</a:t>
+              </a:r>
+            </a:p>
+            <a:p>
+              <a:pPr algn="ctr"/>
+              <a:r>
+                <a:rPr lang="en-US" dirty="0"/>
+                <a:t>repo</a:t>
+              </a:r>
+            </a:p>
+          </p:txBody>
+        </p:sp>
+      </p:grpSp>
+      <p:sp>
+        <p:nvSpPr>
+          <p:cNvPr id="4" name="TextBox 3">
+            <a:extLst>
+              <a:ext uri="{FF2B5EF4-FFF2-40B4-BE49-F238E27FC236}">
+                <a16:creationId xmlns:a16="http://schemas.microsoft.com/office/drawing/2014/main" id="{0EEDBF7D-6609-4F86-AFA5-DFF60F604B38}"/>
+              </a:ext>
+            </a:extLst>
+          </p:cNvPr>
+          <p:cNvSpPr txBox="1"/>
+          <p:nvPr/>
+        </p:nvSpPr>
+        <p:spPr>
+          <a:xfrm rot="19020037">
+            <a:off x="2873004" y="3276490"/>
+            <a:ext cx="1546168" cy="369332"/>
+          </a:xfrm>
+          <a:prstGeom prst="rect">
+            <a:avLst/>
+          </a:prstGeom>
+          <a:noFill/>
+        </p:spPr>
+        <p:txBody>
+          <a:bodyPr wrap="square" rtlCol="0">
+            <a:spAutoFit/>
+          </a:bodyPr>
+          <a:lstStyle/>
+          <a:p>
+            <a:pPr algn="ctr"/>
+            <a:r>
+              <a:rPr lang="en-US" dirty="0"/>
+              <a:t>git pull</a:t>
+            </a:r>
+          </a:p>
+        </p:txBody>
+      </p:sp>
+      <p:cxnSp>
+        <p:nvCxnSpPr>
+          <p:cNvPr id="22" name="Straight Arrow Connector 21">
+            <a:extLst>
+              <a:ext uri="{FF2B5EF4-FFF2-40B4-BE49-F238E27FC236}">
+                <a16:creationId xmlns:a16="http://schemas.microsoft.com/office/drawing/2014/main" id="{FFA9C807-D78D-496C-9B60-52044BA05D82}"/>
+              </a:ext>
+            </a:extLst>
+          </p:cNvPr>
+          <p:cNvCxnSpPr>
+            <a:cxnSpLocks/>
+          </p:cNvCxnSpPr>
+          <p:nvPr/>
+        </p:nvCxnSpPr>
+        <p:spPr>
+          <a:xfrm flipH="1">
+            <a:off x="2851265" y="2703413"/>
+            <a:ext cx="2061559" cy="1732011"/>
+          </a:xfrm>
+          <a:prstGeom prst="straightConnector1">
+            <a:avLst/>
+          </a:prstGeom>
+          <a:ln w="38100">
+            <a:solidFill>
+              <a:schemeClr val="accent2">
+                <a:lumMod val="75000"/>
+              </a:schemeClr>
+            </a:solidFill>
+            <a:tailEnd type="triangle"/>
+          </a:ln>
+        </p:spPr>
+        <p:style>
+          <a:lnRef idx="1">
+            <a:schemeClr val="accent1"/>
+          </a:lnRef>
+          <a:fillRef idx="0">
+            <a:schemeClr val="accent1"/>
+          </a:fillRef>
+          <a:effectRef idx="0">
+            <a:schemeClr val="accent1"/>
+          </a:effectRef>
+          <a:fontRef idx="minor">
+            <a:schemeClr val="tx1"/>
+          </a:fontRef>
+        </p:style>
+      </p:cxnSp>
+      <p:cxnSp>
+        <p:nvCxnSpPr>
+          <p:cNvPr id="25" name="Straight Arrow Connector 24">
+            <a:extLst>
+              <a:ext uri="{FF2B5EF4-FFF2-40B4-BE49-F238E27FC236}">
+                <a16:creationId xmlns:a16="http://schemas.microsoft.com/office/drawing/2014/main" id="{4F801B7D-624D-48C5-B457-26ACFC9574C9}"/>
+              </a:ext>
+            </a:extLst>
+          </p:cNvPr>
+          <p:cNvCxnSpPr>
+            <a:cxnSpLocks/>
+          </p:cNvCxnSpPr>
+          <p:nvPr/>
+        </p:nvCxnSpPr>
+        <p:spPr>
+          <a:xfrm flipV="1">
+            <a:off x="2990504" y="2929043"/>
+            <a:ext cx="1922319" cy="1866999"/>
+          </a:xfrm>
+          <a:prstGeom prst="straightConnector1">
+            <a:avLst/>
+          </a:prstGeom>
+          <a:ln w="38100">
+            <a:solidFill>
+              <a:schemeClr val="accent2">
+                <a:lumMod val="75000"/>
+              </a:schemeClr>
+            </a:solidFill>
+            <a:tailEnd type="triangle"/>
+          </a:ln>
+        </p:spPr>
+        <p:style>
+          <a:lnRef idx="1">
+            <a:schemeClr val="accent1"/>
+          </a:lnRef>
+          <a:fillRef idx="0">
+            <a:schemeClr val="accent1"/>
+          </a:fillRef>
+          <a:effectRef idx="0">
+            <a:schemeClr val="accent1"/>
+          </a:effectRef>
+          <a:fontRef idx="minor">
+            <a:schemeClr val="tx1"/>
+          </a:fontRef>
+        </p:style>
+      </p:cxnSp>
+      <p:sp>
+        <p:nvSpPr>
+          <p:cNvPr id="30" name="TextBox 29">
+            <a:extLst>
+              <a:ext uri="{FF2B5EF4-FFF2-40B4-BE49-F238E27FC236}">
+                <a16:creationId xmlns:a16="http://schemas.microsoft.com/office/drawing/2014/main" id="{5A8615A0-4F2A-4BAA-AF38-D5FBD69AFA64}"/>
+              </a:ext>
+            </a:extLst>
+          </p:cNvPr>
+          <p:cNvSpPr txBox="1"/>
+          <p:nvPr/>
+        </p:nvSpPr>
+        <p:spPr>
+          <a:xfrm rot="19020037">
+            <a:off x="3083809" y="3954769"/>
+            <a:ext cx="1546168" cy="369332"/>
+          </a:xfrm>
+          <a:prstGeom prst="rect">
+            <a:avLst/>
+          </a:prstGeom>
+          <a:noFill/>
+        </p:spPr>
+        <p:txBody>
+          <a:bodyPr wrap="square" rtlCol="0">
+            <a:spAutoFit/>
+          </a:bodyPr>
+          <a:lstStyle/>
+          <a:p>
+            <a:pPr algn="ctr"/>
+            <a:r>
+              <a:rPr lang="en-US" dirty="0"/>
+              <a:t>git push</a:t>
+            </a:r>
+          </a:p>
+        </p:txBody>
+      </p:sp>
+      <p:cxnSp>
+        <p:nvCxnSpPr>
+          <p:cNvPr id="33" name="Straight Arrow Connector 32">
+            <a:extLst>
+              <a:ext uri="{FF2B5EF4-FFF2-40B4-BE49-F238E27FC236}">
+                <a16:creationId xmlns:a16="http://schemas.microsoft.com/office/drawing/2014/main" id="{DF7128BA-3F3D-4D39-BAA7-753A8BF3F0F6}"/>
+              </a:ext>
+            </a:extLst>
+          </p:cNvPr>
+          <p:cNvCxnSpPr>
+            <a:cxnSpLocks/>
+          </p:cNvCxnSpPr>
+          <p:nvPr/>
+        </p:nvCxnSpPr>
+        <p:spPr>
+          <a:xfrm flipH="1">
+            <a:off x="6349192" y="2539337"/>
+            <a:ext cx="2888065" cy="164076"/>
+          </a:xfrm>
+          <a:prstGeom prst="straightConnector1">
+            <a:avLst/>
+          </a:prstGeom>
+          <a:ln w="38100">
+            <a:solidFill>
+              <a:schemeClr val="accent2">
+                <a:lumMod val="75000"/>
+              </a:schemeClr>
+            </a:solidFill>
+            <a:tailEnd type="triangle"/>
+          </a:ln>
+        </p:spPr>
+        <p:style>
+          <a:lnRef idx="1">
+            <a:schemeClr val="accent1"/>
+          </a:lnRef>
+          <a:fillRef idx="0">
+            <a:schemeClr val="accent1"/>
+          </a:fillRef>
+          <a:effectRef idx="0">
+            <a:schemeClr val="accent1"/>
+          </a:effectRef>
+          <a:fontRef idx="minor">
+            <a:schemeClr val="tx1"/>
+          </a:fontRef>
+        </p:style>
+      </p:cxnSp>
+      <p:cxnSp>
+        <p:nvCxnSpPr>
+          <p:cNvPr id="35" name="Straight Arrow Connector 34">
+            <a:extLst>
+              <a:ext uri="{FF2B5EF4-FFF2-40B4-BE49-F238E27FC236}">
+                <a16:creationId xmlns:a16="http://schemas.microsoft.com/office/drawing/2014/main" id="{C49E589E-F367-489F-89F0-80B2008A518D}"/>
+              </a:ext>
+            </a:extLst>
+          </p:cNvPr>
+          <p:cNvCxnSpPr>
+            <a:cxnSpLocks/>
+          </p:cNvCxnSpPr>
+          <p:nvPr/>
+        </p:nvCxnSpPr>
+        <p:spPr>
+          <a:xfrm flipV="1">
+            <a:off x="6392573" y="2237308"/>
+            <a:ext cx="2844684" cy="144776"/>
+          </a:xfrm>
+          <a:prstGeom prst="straightConnector1">
+            <a:avLst/>
+          </a:prstGeom>
+          <a:ln w="38100">
+            <a:solidFill>
+              <a:schemeClr val="accent2">
+                <a:lumMod val="75000"/>
+              </a:schemeClr>
+            </a:solidFill>
+            <a:tailEnd type="triangle"/>
+          </a:ln>
+        </p:spPr>
+        <p:style>
+          <a:lnRef idx="1">
+            <a:schemeClr val="accent1"/>
+          </a:lnRef>
+          <a:fillRef idx="0">
+            <a:schemeClr val="accent1"/>
+          </a:fillRef>
+          <a:effectRef idx="0">
+            <a:schemeClr val="accent1"/>
+          </a:effectRef>
+          <a:fontRef idx="minor">
+            <a:schemeClr val="tx1"/>
+          </a:fontRef>
+        </p:style>
+      </p:cxnSp>
+      <p:sp>
+        <p:nvSpPr>
+          <p:cNvPr id="39" name="TextBox 38">
+            <a:extLst>
+              <a:ext uri="{FF2B5EF4-FFF2-40B4-BE49-F238E27FC236}">
+                <a16:creationId xmlns:a16="http://schemas.microsoft.com/office/drawing/2014/main" id="{50C28F7B-E1B6-4186-9D6C-E1670D53C4AC}"/>
+              </a:ext>
+            </a:extLst>
+          </p:cNvPr>
+          <p:cNvSpPr txBox="1"/>
+          <p:nvPr/>
+        </p:nvSpPr>
+        <p:spPr>
+          <a:xfrm>
+            <a:off x="7349837" y="1968608"/>
+            <a:ext cx="1546168" cy="369332"/>
+          </a:xfrm>
+          <a:prstGeom prst="rect">
+            <a:avLst/>
+          </a:prstGeom>
+          <a:noFill/>
+        </p:spPr>
+        <p:txBody>
+          <a:bodyPr wrap="square" rtlCol="0">
+            <a:spAutoFit/>
+          </a:bodyPr>
+          <a:lstStyle/>
+          <a:p>
+            <a:pPr algn="ctr"/>
+            <a:r>
+              <a:rPr lang="en-US" dirty="0"/>
+              <a:t>Pull request</a:t>
+            </a:r>
+          </a:p>
+        </p:txBody>
+      </p:sp>
+      <p:sp>
+        <p:nvSpPr>
+          <p:cNvPr id="40" name="TextBox 39">
+            <a:extLst>
+              <a:ext uri="{FF2B5EF4-FFF2-40B4-BE49-F238E27FC236}">
+                <a16:creationId xmlns:a16="http://schemas.microsoft.com/office/drawing/2014/main" id="{E303DB08-9827-44CA-8159-7DEB4396CCD9}"/>
+              </a:ext>
+            </a:extLst>
+          </p:cNvPr>
+          <p:cNvSpPr txBox="1"/>
+          <p:nvPr/>
+        </p:nvSpPr>
+        <p:spPr>
+          <a:xfrm>
+            <a:off x="7371312" y="2643048"/>
+            <a:ext cx="1546168" cy="369332"/>
+          </a:xfrm>
+          <a:prstGeom prst="rect">
+            <a:avLst/>
+          </a:prstGeom>
+          <a:noFill/>
+        </p:spPr>
+        <p:txBody>
+          <a:bodyPr wrap="square" rtlCol="0">
+            <a:spAutoFit/>
+          </a:bodyPr>
+          <a:lstStyle/>
+          <a:p>
+            <a:pPr algn="ctr"/>
+            <a:r>
+              <a:rPr lang="en-US" dirty="0"/>
+              <a:t>fork</a:t>
+            </a:r>
+          </a:p>
+        </p:txBody>
+      </p:sp>
+    </p:spTree>
+    <p:extLst>
+      <p:ext uri="{BB962C8B-B14F-4D97-AF65-F5344CB8AC3E}">
+        <p14:creationId xmlns:p14="http://schemas.microsoft.com/office/powerpoint/2010/main" val="195938605"/>
+      </p:ext>
+    </p:extLst>
+  </p:cSld>
+  <p:clrMapOvr>
+    <a:masterClrMapping/>
+  </p:clrMapOvr>
+</p:sld>
+</file>
+
 <file path=ppt/theme/theme1.xml><?xml version="1.0" encoding="utf-8"?>
 <a:theme xmlns:a="http://schemas.openxmlformats.org/drawingml/2006/main" name="Office Theme">
   <a:themeElements>
